--- a/Data Science/DS-Day-09 R.pptx
+++ b/Data Science/DS-Day-09 R.pptx
@@ -5,7 +5,7 @@
     <p:sldMasterId id="2147483781" r:id="rId1"/>
   </p:sldMasterIdLst>
   <p:notesMasterIdLst>
-    <p:notesMasterId r:id="rId11"/>
+    <p:notesMasterId r:id="rId9"/>
   </p:notesMasterIdLst>
   <p:sldIdLst>
     <p:sldId id="286" r:id="rId2"/>
@@ -13,10 +13,8 @@
     <p:sldId id="288" r:id="rId4"/>
     <p:sldId id="287" r:id="rId5"/>
     <p:sldId id="289" r:id="rId6"/>
-    <p:sldId id="290" r:id="rId7"/>
-    <p:sldId id="291" r:id="rId8"/>
-    <p:sldId id="292" r:id="rId9"/>
-    <p:sldId id="293" r:id="rId10"/>
+    <p:sldId id="291" r:id="rId7"/>
+    <p:sldId id="290" r:id="rId8"/>
   </p:sldIdLst>
   <p:sldSz cx="9144000" cy="6858000" type="screen4x3"/>
   <p:notesSz cx="6858000" cy="9144000"/>
@@ -205,7 +203,7 @@
           <a:p>
             <a:fld id="{22783AA6-C1EF-448D-A48A-EF30DCBEFCCC}" type="datetimeFigureOut">
               <a:rPr lang="en-US" smtClean="0"/>
-              <a:t>4/19/2018</a:t>
+              <a:t>4/21/2018</a:t>
             </a:fld>
             <a:endParaRPr lang="en-US"/>
           </a:p>
@@ -1075,7 +1073,7 @@
     </p:spTree>
     <p:extLst>
       <p:ext uri="{BB962C8B-B14F-4D97-AF65-F5344CB8AC3E}">
-        <p14:creationId xmlns:p14="http://schemas.microsoft.com/office/powerpoint/2010/main" val="282839740"/>
+        <p14:creationId xmlns:p14="http://schemas.microsoft.com/office/powerpoint/2010/main" val="3438909856"/>
       </p:ext>
     </p:extLst>
   </p:cSld>
@@ -1177,211 +1175,7 @@
     </p:spTree>
     <p:extLst>
       <p:ext uri="{BB962C8B-B14F-4D97-AF65-F5344CB8AC3E}">
-        <p14:creationId xmlns:p14="http://schemas.microsoft.com/office/powerpoint/2010/main" val="3438909856"/>
-      </p:ext>
-    </p:extLst>
-  </p:cSld>
-  <p:clrMapOvr>
-    <a:masterClrMapping/>
-  </p:clrMapOvr>
-</p:notes>
-</file>
-
-<file path=ppt/notesSlides/notesSlide8.xml><?xml version="1.0" encoding="utf-8"?>
-<p:notes xmlns:a="http://schemas.openxmlformats.org/drawingml/2006/main" xmlns:r="http://schemas.openxmlformats.org/officeDocument/2006/relationships" xmlns:p="http://schemas.openxmlformats.org/presentationml/2006/main">
-  <p:cSld>
-    <p:spTree>
-      <p:nvGrpSpPr>
-        <p:cNvPr id="1" name=""/>
-        <p:cNvGrpSpPr/>
-        <p:nvPr/>
-      </p:nvGrpSpPr>
-      <p:grpSpPr>
-        <a:xfrm>
-          <a:off x="0" y="0"/>
-          <a:ext cx="0" cy="0"/>
-          <a:chOff x="0" y="0"/>
-          <a:chExt cx="0" cy="0"/>
-        </a:xfrm>
-      </p:grpSpPr>
-      <p:sp>
-        <p:nvSpPr>
-          <p:cNvPr id="2" name="Образ слайда 1"/>
-          <p:cNvSpPr>
-            <a:spLocks noGrp="1" noRot="1" noChangeAspect="1"/>
-          </p:cNvSpPr>
-          <p:nvPr>
-            <p:ph type="sldImg"/>
-          </p:nvPr>
-        </p:nvSpPr>
-        <p:spPr>
-          <a:xfrm>
-            <a:off x="896938" y="746125"/>
-            <a:ext cx="4967287" cy="3727450"/>
-          </a:xfrm>
-        </p:spPr>
-      </p:sp>
-      <p:sp>
-        <p:nvSpPr>
-          <p:cNvPr id="3" name="Заметки 2"/>
-          <p:cNvSpPr>
-            <a:spLocks noGrp="1"/>
-          </p:cNvSpPr>
-          <p:nvPr>
-            <p:ph type="body" idx="1"/>
-          </p:nvPr>
-        </p:nvSpPr>
-        <p:spPr/>
-        <p:txBody>
-          <a:bodyPr>
-            <a:normAutofit/>
-          </a:bodyPr>
-          <a:lstStyle/>
-          <a:p>
-            <a:endParaRPr lang="ru-RU" sz="1400" dirty="0">
-              <a:latin typeface="+mn-lt"/>
-            </a:endParaRPr>
-          </a:p>
-        </p:txBody>
-      </p:sp>
-      <p:sp>
-        <p:nvSpPr>
-          <p:cNvPr id="4" name="Номер слайда 3"/>
-          <p:cNvSpPr>
-            <a:spLocks noGrp="1"/>
-          </p:cNvSpPr>
-          <p:nvPr>
-            <p:ph type="sldNum" sz="quarter" idx="10"/>
-          </p:nvPr>
-        </p:nvSpPr>
-        <p:spPr/>
-        <p:txBody>
-          <a:bodyPr/>
-          <a:lstStyle/>
-          <a:p>
-            <a:fld id="{A868C670-7DD8-483E-B635-2FC3EA348D84}" type="slidenum">
-              <a:rPr lang="ru-RU" smtClean="0">
-                <a:solidFill>
-                  <a:prstClr val="black"/>
-                </a:solidFill>
-              </a:rPr>
-              <a:pPr/>
-              <a:t>8</a:t>
-            </a:fld>
-            <a:endParaRPr lang="ru-RU">
-              <a:solidFill>
-                <a:prstClr val="black"/>
-              </a:solidFill>
-            </a:endParaRPr>
-          </a:p>
-        </p:txBody>
-      </p:sp>
-    </p:spTree>
-    <p:extLst>
-      <p:ext uri="{BB962C8B-B14F-4D97-AF65-F5344CB8AC3E}">
-        <p14:creationId xmlns:p14="http://schemas.microsoft.com/office/powerpoint/2010/main" val="3111007681"/>
-      </p:ext>
-    </p:extLst>
-  </p:cSld>
-  <p:clrMapOvr>
-    <a:masterClrMapping/>
-  </p:clrMapOvr>
-</p:notes>
-</file>
-
-<file path=ppt/notesSlides/notesSlide9.xml><?xml version="1.0" encoding="utf-8"?>
-<p:notes xmlns:a="http://schemas.openxmlformats.org/drawingml/2006/main" xmlns:r="http://schemas.openxmlformats.org/officeDocument/2006/relationships" xmlns:p="http://schemas.openxmlformats.org/presentationml/2006/main">
-  <p:cSld>
-    <p:spTree>
-      <p:nvGrpSpPr>
-        <p:cNvPr id="1" name=""/>
-        <p:cNvGrpSpPr/>
-        <p:nvPr/>
-      </p:nvGrpSpPr>
-      <p:grpSpPr>
-        <a:xfrm>
-          <a:off x="0" y="0"/>
-          <a:ext cx="0" cy="0"/>
-          <a:chOff x="0" y="0"/>
-          <a:chExt cx="0" cy="0"/>
-        </a:xfrm>
-      </p:grpSpPr>
-      <p:sp>
-        <p:nvSpPr>
-          <p:cNvPr id="2" name="Образ слайда 1"/>
-          <p:cNvSpPr>
-            <a:spLocks noGrp="1" noRot="1" noChangeAspect="1"/>
-          </p:cNvSpPr>
-          <p:nvPr>
-            <p:ph type="sldImg"/>
-          </p:nvPr>
-        </p:nvSpPr>
-        <p:spPr>
-          <a:xfrm>
-            <a:off x="896938" y="746125"/>
-            <a:ext cx="4967287" cy="3727450"/>
-          </a:xfrm>
-        </p:spPr>
-      </p:sp>
-      <p:sp>
-        <p:nvSpPr>
-          <p:cNvPr id="3" name="Заметки 2"/>
-          <p:cNvSpPr>
-            <a:spLocks noGrp="1"/>
-          </p:cNvSpPr>
-          <p:nvPr>
-            <p:ph type="body" idx="1"/>
-          </p:nvPr>
-        </p:nvSpPr>
-        <p:spPr/>
-        <p:txBody>
-          <a:bodyPr>
-            <a:normAutofit/>
-          </a:bodyPr>
-          <a:lstStyle/>
-          <a:p>
-            <a:endParaRPr lang="ru-RU" sz="1400" dirty="0">
-              <a:latin typeface="+mn-lt"/>
-            </a:endParaRPr>
-          </a:p>
-        </p:txBody>
-      </p:sp>
-      <p:sp>
-        <p:nvSpPr>
-          <p:cNvPr id="4" name="Номер слайда 3"/>
-          <p:cNvSpPr>
-            <a:spLocks noGrp="1"/>
-          </p:cNvSpPr>
-          <p:nvPr>
-            <p:ph type="sldNum" sz="quarter" idx="10"/>
-          </p:nvPr>
-        </p:nvSpPr>
-        <p:spPr/>
-        <p:txBody>
-          <a:bodyPr/>
-          <a:lstStyle/>
-          <a:p>
-            <a:fld id="{A868C670-7DD8-483E-B635-2FC3EA348D84}" type="slidenum">
-              <a:rPr lang="ru-RU" smtClean="0">
-                <a:solidFill>
-                  <a:prstClr val="black"/>
-                </a:solidFill>
-              </a:rPr>
-              <a:pPr/>
-              <a:t>9</a:t>
-            </a:fld>
-            <a:endParaRPr lang="ru-RU">
-              <a:solidFill>
-                <a:prstClr val="black"/>
-              </a:solidFill>
-            </a:endParaRPr>
-          </a:p>
-        </p:txBody>
-      </p:sp>
-    </p:spTree>
-    <p:extLst>
-      <p:ext uri="{BB962C8B-B14F-4D97-AF65-F5344CB8AC3E}">
-        <p14:creationId xmlns:p14="http://schemas.microsoft.com/office/powerpoint/2010/main" val="3212116662"/>
+        <p14:creationId xmlns:p14="http://schemas.microsoft.com/office/powerpoint/2010/main" val="282839740"/>
       </p:ext>
     </p:extLst>
   </p:cSld>
@@ -1533,7 +1327,7 @@
           <a:p>
             <a:fld id="{C14F4D0B-68E4-4C14-BD4D-319F9BD213A3}" type="datetimeFigureOut">
               <a:rPr lang="ru-RU" smtClean="0"/>
-              <a:t>19.04.2018</a:t>
+              <a:t>21.04.2018</a:t>
             </a:fld>
             <a:endParaRPr lang="ru-RU"/>
           </a:p>
@@ -1703,7 +1497,7 @@
           <a:p>
             <a:fld id="{C14F4D0B-68E4-4C14-BD4D-319F9BD213A3}" type="datetimeFigureOut">
               <a:rPr lang="ru-RU" smtClean="0"/>
-              <a:t>19.04.2018</a:t>
+              <a:t>21.04.2018</a:t>
             </a:fld>
             <a:endParaRPr lang="ru-RU"/>
           </a:p>
@@ -1883,7 +1677,7 @@
           <a:p>
             <a:fld id="{C14F4D0B-68E4-4C14-BD4D-319F9BD213A3}" type="datetimeFigureOut">
               <a:rPr lang="ru-RU" smtClean="0"/>
-              <a:t>19.04.2018</a:t>
+              <a:t>21.04.2018</a:t>
             </a:fld>
             <a:endParaRPr lang="ru-RU"/>
           </a:p>
@@ -2053,7 +1847,7 @@
           <a:p>
             <a:fld id="{C14F4D0B-68E4-4C14-BD4D-319F9BD213A3}" type="datetimeFigureOut">
               <a:rPr lang="ru-RU" smtClean="0"/>
-              <a:t>19.04.2018</a:t>
+              <a:t>21.04.2018</a:t>
             </a:fld>
             <a:endParaRPr lang="ru-RU"/>
           </a:p>
@@ -2304,7 +2098,7 @@
           <a:p>
             <a:fld id="{C14F4D0B-68E4-4C14-BD4D-319F9BD213A3}" type="datetimeFigureOut">
               <a:rPr lang="ru-RU" smtClean="0"/>
-              <a:t>19.04.2018</a:t>
+              <a:t>21.04.2018</a:t>
             </a:fld>
             <a:endParaRPr lang="ru-RU"/>
           </a:p>
@@ -2536,7 +2330,7 @@
           <a:p>
             <a:fld id="{C14F4D0B-68E4-4C14-BD4D-319F9BD213A3}" type="datetimeFigureOut">
               <a:rPr lang="ru-RU" smtClean="0"/>
-              <a:t>19.04.2018</a:t>
+              <a:t>21.04.2018</a:t>
             </a:fld>
             <a:endParaRPr lang="ru-RU"/>
           </a:p>
@@ -2883,7 +2677,7 @@
           <a:p>
             <a:fld id="{C14F4D0B-68E4-4C14-BD4D-319F9BD213A3}" type="datetimeFigureOut">
               <a:rPr lang="ru-RU" smtClean="0"/>
-              <a:t>19.04.2018</a:t>
+              <a:t>21.04.2018</a:t>
             </a:fld>
             <a:endParaRPr lang="ru-RU"/>
           </a:p>
@@ -3001,7 +2795,7 @@
           <a:p>
             <a:fld id="{C14F4D0B-68E4-4C14-BD4D-319F9BD213A3}" type="datetimeFigureOut">
               <a:rPr lang="ru-RU" smtClean="0"/>
-              <a:t>19.04.2018</a:t>
+              <a:t>21.04.2018</a:t>
             </a:fld>
             <a:endParaRPr lang="ru-RU"/>
           </a:p>
@@ -3119,7 +2913,7 @@
           <a:p>
             <a:fld id="{C14F4D0B-68E4-4C14-BD4D-319F9BD213A3}" type="datetimeFigureOut">
               <a:rPr lang="ru-RU" smtClean="0"/>
-              <a:t>19.04.2018</a:t>
+              <a:t>21.04.2018</a:t>
             </a:fld>
             <a:endParaRPr lang="ru-RU"/>
           </a:p>
@@ -3403,7 +3197,7 @@
           <a:p>
             <a:fld id="{C14F4D0B-68E4-4C14-BD4D-319F9BD213A3}" type="datetimeFigureOut">
               <a:rPr lang="ru-RU" smtClean="0"/>
-              <a:t>19.04.2018</a:t>
+              <a:t>21.04.2018</a:t>
             </a:fld>
             <a:endParaRPr lang="ru-RU"/>
           </a:p>
@@ -3667,7 +3461,7 @@
           <a:p>
             <a:fld id="{C14F4D0B-68E4-4C14-BD4D-319F9BD213A3}" type="datetimeFigureOut">
               <a:rPr lang="ru-RU" smtClean="0"/>
-              <a:t>19.04.2018</a:t>
+              <a:t>21.04.2018</a:t>
             </a:fld>
             <a:endParaRPr lang="ru-RU"/>
           </a:p>
@@ -3881,7 +3675,7 @@
           <a:p>
             <a:fld id="{C14F4D0B-68E4-4C14-BD4D-319F9BD213A3}" type="datetimeFigureOut">
               <a:rPr lang="ru-RU" smtClean="0"/>
-              <a:t>19.04.2018</a:t>
+              <a:t>21.04.2018</a:t>
             </a:fld>
             <a:endParaRPr lang="ru-RU"/>
           </a:p>
@@ -5643,17 +5437,7 @@
                 <a:latin typeface="Arial" pitchFamily="34" charset="0"/>
                 <a:cs typeface="Arial" pitchFamily="34" charset="0"/>
               </a:rPr>
-              <a:t>Задание </a:t>
-            </a:r>
-            <a:r>
-              <a:rPr lang="ru-RU" sz="3600" b="1" dirty="0" smtClean="0">
-                <a:solidFill>
-                  <a:srgbClr val="0064B5"/>
-                </a:solidFill>
-                <a:latin typeface="Arial" pitchFamily="34" charset="0"/>
-                <a:cs typeface="Arial" pitchFamily="34" charset="0"/>
-              </a:rPr>
-              <a:t>1</a:t>
+              <a:t>Задание 1</a:t>
             </a:r>
             <a:endParaRPr lang="ru-RU" sz="3600" b="1" dirty="0">
               <a:solidFill>
@@ -5762,13 +5546,6 @@
               </a:rPr>
               <a:t>2</a:t>
             </a:r>
-            <a:endParaRPr lang="ru-RU" sz="3600" b="1" dirty="0">
-              <a:solidFill>
-                <a:srgbClr val="0064B5"/>
-              </a:solidFill>
-              <a:latin typeface="Arial" pitchFamily="34" charset="0"/>
-              <a:cs typeface="Arial" pitchFamily="34" charset="0"/>
-            </a:endParaRPr>
           </a:p>
         </p:txBody>
       </p:sp>
@@ -5830,11 +5607,7 @@
             </a:pPr>
             <a:r>
               <a:rPr lang="ru-RU" sz="2400" dirty="0" smtClean="0"/>
-              <a:t>Нарисовать линию, которая соединяет Львов и Харьков.</a:t>
-            </a:r>
-            <a:r>
-              <a:rPr lang="ru-RU" sz="2400" dirty="0" smtClean="0"/>
-              <a:t> </a:t>
+              <a:t>Нарисовать линию, которая соединяет Львов и Харьков. </a:t>
             </a:r>
             <a:endParaRPr lang="ru-RU" sz="2400" dirty="0"/>
           </a:p>
@@ -6158,7 +5931,6 @@
               <a:rPr lang="ru-RU" dirty="0" smtClean="0"/>
               <a:t>)</a:t>
             </a:r>
-            <a:endParaRPr lang="ru-RU" dirty="0" smtClean="0"/>
           </a:p>
         </p:txBody>
       </p:sp>
@@ -6319,6 +6091,432 @@
 </file>
 
 <file path=ppt/slides/slide6.xml><?xml version="1.0" encoding="utf-8"?>
+<p:sld xmlns:a="http://schemas.openxmlformats.org/drawingml/2006/main" xmlns:r="http://schemas.openxmlformats.org/officeDocument/2006/relationships" xmlns:p="http://schemas.openxmlformats.org/presentationml/2006/main">
+  <p:cSld>
+    <p:spTree>
+      <p:nvGrpSpPr>
+        <p:cNvPr id="1" name=""/>
+        <p:cNvGrpSpPr/>
+        <p:nvPr/>
+      </p:nvGrpSpPr>
+      <p:grpSpPr>
+        <a:xfrm>
+          <a:off x="0" y="0"/>
+          <a:ext cx="0" cy="0"/>
+          <a:chOff x="0" y="0"/>
+          <a:chExt cx="0" cy="0"/>
+        </a:xfrm>
+      </p:grpSpPr>
+      <p:grpSp>
+        <p:nvGrpSpPr>
+          <p:cNvPr id="9" name="Группа 8"/>
+          <p:cNvGrpSpPr/>
+          <p:nvPr/>
+        </p:nvGrpSpPr>
+        <p:grpSpPr>
+          <a:xfrm>
+            <a:off x="156140" y="764636"/>
+            <a:ext cx="8583930" cy="83408"/>
+            <a:chOff x="240030" y="759941"/>
+            <a:chExt cx="8583930" cy="83408"/>
+          </a:xfrm>
+        </p:grpSpPr>
+        <p:cxnSp>
+          <p:nvCxnSpPr>
+            <p:cNvPr id="2" name="Прямая соединительная линия 1"/>
+            <p:cNvCxnSpPr/>
+            <p:nvPr/>
+          </p:nvCxnSpPr>
+          <p:spPr>
+            <a:xfrm>
+              <a:off x="560070" y="759941"/>
+              <a:ext cx="8263890" cy="0"/>
+            </a:xfrm>
+            <a:prstGeom prst="line">
+              <a:avLst/>
+            </a:prstGeom>
+            <a:ln w="76200" cap="flat" cmpd="sng" algn="ctr">
+              <a:solidFill>
+                <a:srgbClr val="0064B5"/>
+              </a:solidFill>
+              <a:prstDash val="solid"/>
+              <a:round/>
+              <a:headEnd type="none" w="med" len="sm"/>
+              <a:tailEnd type="none" w="med" len="sm"/>
+            </a:ln>
+          </p:spPr>
+          <p:style>
+            <a:lnRef idx="1">
+              <a:schemeClr val="accent1"/>
+            </a:lnRef>
+            <a:fillRef idx="0">
+              <a:schemeClr val="accent1"/>
+            </a:fillRef>
+            <a:effectRef idx="0">
+              <a:schemeClr val="accent1"/>
+            </a:effectRef>
+            <a:fontRef idx="minor">
+              <a:schemeClr val="tx1"/>
+            </a:fontRef>
+          </p:style>
+        </p:cxnSp>
+        <p:cxnSp>
+          <p:nvCxnSpPr>
+            <p:cNvPr id="3" name="Прямая соединительная линия 2"/>
+            <p:cNvCxnSpPr/>
+            <p:nvPr/>
+          </p:nvCxnSpPr>
+          <p:spPr>
+            <a:xfrm>
+              <a:off x="240030" y="843349"/>
+              <a:ext cx="8286750" cy="0"/>
+            </a:xfrm>
+            <a:prstGeom prst="line">
+              <a:avLst/>
+            </a:prstGeom>
+            <a:ln w="76200" cap="flat" cmpd="sng" algn="ctr">
+              <a:solidFill>
+                <a:srgbClr val="F5A200"/>
+              </a:solidFill>
+              <a:prstDash val="solid"/>
+              <a:round/>
+              <a:headEnd type="none" w="med" len="sm"/>
+              <a:tailEnd type="none" w="med" len="sm"/>
+            </a:ln>
+          </p:spPr>
+          <p:style>
+            <a:lnRef idx="1">
+              <a:schemeClr val="accent1"/>
+            </a:lnRef>
+            <a:fillRef idx="0">
+              <a:schemeClr val="accent1"/>
+            </a:fillRef>
+            <a:effectRef idx="0">
+              <a:schemeClr val="accent1"/>
+            </a:effectRef>
+            <a:fontRef idx="minor">
+              <a:schemeClr val="tx1"/>
+            </a:fontRef>
+          </p:style>
+        </p:cxnSp>
+      </p:grpSp>
+      <p:sp>
+        <p:nvSpPr>
+          <p:cNvPr id="5" name="TextBox 4"/>
+          <p:cNvSpPr txBox="1"/>
+          <p:nvPr/>
+        </p:nvSpPr>
+        <p:spPr>
+          <a:xfrm>
+            <a:off x="491506" y="135310"/>
+            <a:ext cx="8504712" cy="629326"/>
+          </a:xfrm>
+          <a:prstGeom prst="rect">
+            <a:avLst/>
+          </a:prstGeom>
+          <a:noFill/>
+        </p:spPr>
+        <p:txBody>
+          <a:bodyPr vert="horz" wrap="square" lIns="74600" tIns="37300" rIns="74600" bIns="37300" rtlCol="0">
+            <a:spAutoFit/>
+          </a:bodyPr>
+          <a:lstStyle/>
+          <a:p>
+            <a:r>
+              <a:rPr lang="en-US" sz="3600" b="1" dirty="0">
+                <a:solidFill>
+                  <a:srgbClr val="0064B5"/>
+                </a:solidFill>
+                <a:latin typeface="Arial" pitchFamily="34" charset="0"/>
+                <a:cs typeface="Arial" pitchFamily="34" charset="0"/>
+              </a:rPr>
+              <a:t>Google </a:t>
+            </a:r>
+            <a:r>
+              <a:rPr lang="en-US" sz="3600" b="1" dirty="0" smtClean="0">
+                <a:solidFill>
+                  <a:srgbClr val="0064B5"/>
+                </a:solidFill>
+                <a:latin typeface="Arial" pitchFamily="34" charset="0"/>
+                <a:cs typeface="Arial" pitchFamily="34" charset="0"/>
+              </a:rPr>
+              <a:t>Maps</a:t>
+            </a:r>
+            <a:r>
+              <a:rPr lang="ru-RU" sz="3600" b="1" dirty="0" smtClean="0">
+                <a:solidFill>
+                  <a:srgbClr val="0064B5"/>
+                </a:solidFill>
+                <a:latin typeface="Arial" pitchFamily="34" charset="0"/>
+                <a:cs typeface="Arial" pitchFamily="34" charset="0"/>
+              </a:rPr>
+              <a:t> </a:t>
+            </a:r>
+            <a:r>
+              <a:rPr lang="en-US" sz="3600" b="1" dirty="0" smtClean="0">
+                <a:solidFill>
+                  <a:srgbClr val="0064B5"/>
+                </a:solidFill>
+                <a:latin typeface="Arial" pitchFamily="34" charset="0"/>
+                <a:cs typeface="Arial" pitchFamily="34" charset="0"/>
+              </a:rPr>
+              <a:t>and Google Vis</a:t>
+            </a:r>
+            <a:endParaRPr lang="ru-RU" sz="3600" b="1" dirty="0">
+              <a:solidFill>
+                <a:srgbClr val="0064B5"/>
+              </a:solidFill>
+              <a:latin typeface="Arial" pitchFamily="34" charset="0"/>
+              <a:cs typeface="Arial" pitchFamily="34" charset="0"/>
+            </a:endParaRPr>
+          </a:p>
+        </p:txBody>
+      </p:sp>
+      <p:sp>
+        <p:nvSpPr>
+          <p:cNvPr id="7" name="Прямоугольник 6"/>
+          <p:cNvSpPr/>
+          <p:nvPr/>
+        </p:nvSpPr>
+        <p:spPr>
+          <a:xfrm>
+            <a:off x="360683" y="931452"/>
+            <a:ext cx="6664037" cy="2031325"/>
+          </a:xfrm>
+          <a:prstGeom prst="rect">
+            <a:avLst/>
+          </a:prstGeom>
+        </p:spPr>
+        <p:txBody>
+          <a:bodyPr wrap="square">
+            <a:spAutoFit/>
+          </a:bodyPr>
+          <a:lstStyle/>
+          <a:p>
+            <a:r>
+              <a:rPr lang="en-US" dirty="0"/>
+              <a:t>library(</a:t>
+            </a:r>
+            <a:r>
+              <a:rPr lang="en-US" dirty="0" err="1"/>
+              <a:t>googleVis</a:t>
+            </a:r>
+            <a:r>
+              <a:rPr lang="en-US" dirty="0"/>
+              <a:t>))</a:t>
+            </a:r>
+            <a:endParaRPr lang="ru-RU" dirty="0" smtClean="0"/>
+          </a:p>
+          <a:p>
+            <a:r>
+              <a:rPr lang="ru-RU" dirty="0" smtClean="0"/>
+              <a:t>Функция построения карты</a:t>
+            </a:r>
+          </a:p>
+          <a:p>
+            <a:r>
+              <a:rPr lang="en-US" dirty="0" err="1"/>
+              <a:t>gvisMap</a:t>
+            </a:r>
+            <a:r>
+              <a:rPr lang="en-US" dirty="0" smtClean="0"/>
+              <a:t>()</a:t>
+            </a:r>
+          </a:p>
+          <a:p>
+            <a:endParaRPr lang="en-US" dirty="0" smtClean="0"/>
+          </a:p>
+          <a:p>
+            <a:r>
+              <a:rPr lang="ru-RU" dirty="0" smtClean="0"/>
+              <a:t>Функция интерактивной</a:t>
+            </a:r>
+            <a:r>
+              <a:rPr lang="en-US" dirty="0" smtClean="0"/>
+              <a:t> web-</a:t>
+            </a:r>
+            <a:r>
+              <a:rPr lang="ru-RU" dirty="0" smtClean="0"/>
+              <a:t>графики !!!</a:t>
+            </a:r>
+          </a:p>
+          <a:p>
+            <a:r>
+              <a:rPr lang="en-US" dirty="0" err="1"/>
+              <a:t>gvisMotionChart</a:t>
+            </a:r>
+            <a:r>
+              <a:rPr lang="en-US" dirty="0" smtClean="0"/>
+              <a:t>(</a:t>
+            </a:r>
+            <a:r>
+              <a:rPr lang="ru-RU" dirty="0" smtClean="0"/>
+              <a:t>)</a:t>
+            </a:r>
+          </a:p>
+          <a:p>
+            <a:endParaRPr lang="ru-RU" dirty="0"/>
+          </a:p>
+        </p:txBody>
+      </p:sp>
+      <p:sp>
+        <p:nvSpPr>
+          <p:cNvPr id="11" name="Rectangle 3"/>
+          <p:cNvSpPr>
+            <a:spLocks noChangeArrowheads="1"/>
+          </p:cNvSpPr>
+          <p:nvPr/>
+        </p:nvSpPr>
+        <p:spPr bwMode="auto">
+          <a:xfrm>
+            <a:off x="2797175" y="1828800"/>
+            <a:ext cx="9144000" cy="0"/>
+          </a:xfrm>
+          <a:prstGeom prst="rect">
+            <a:avLst/>
+          </a:prstGeom>
+          <a:noFill/>
+          <a:ln>
+            <a:noFill/>
+          </a:ln>
+          <a:effectLst/>
+          <a:extLst>
+            <a:ext uri="{909E8E84-426E-40DD-AFC4-6F175D3DCCD1}">
+              <a14:hiddenFill xmlns:a14="http://schemas.microsoft.com/office/drawing/2010/main">
+                <a:solidFill>
+                  <a:schemeClr val="accent1"/>
+                </a:solidFill>
+              </a14:hiddenFill>
+            </a:ext>
+            <a:ext uri="{91240B29-F687-4F45-9708-019B960494DF}">
+              <a14:hiddenLine xmlns:a14="http://schemas.microsoft.com/office/drawing/2010/main" w="9525">
+                <a:solidFill>
+                  <a:schemeClr val="tx1"/>
+                </a:solidFill>
+                <a:miter lim="800000"/>
+                <a:headEnd/>
+                <a:tailEnd/>
+              </a14:hiddenLine>
+            </a:ext>
+            <a:ext uri="{AF507438-7753-43E0-B8FC-AC1667EBCBE1}">
+              <a14:hiddenEffects xmlns:a14="http://schemas.microsoft.com/office/drawing/2010/main">
+                <a:effectLst>
+                  <a:outerShdw dist="35921" dir="2700000" algn="ctr" rotWithShape="0">
+                    <a:schemeClr val="bg2"/>
+                  </a:outerShdw>
+                </a:effectLst>
+              </a14:hiddenEffects>
+            </a:ext>
+          </a:extLst>
+        </p:spPr>
+        <p:txBody>
+          <a:bodyPr vert="horz" wrap="none" lIns="91440" tIns="45720" rIns="91440" bIns="45720" numCol="1" anchor="ctr" anchorCtr="0" compatLnSpc="1">
+            <a:prstTxWarp prst="textNoShape">
+              <a:avLst/>
+            </a:prstTxWarp>
+            <a:spAutoFit/>
+          </a:bodyPr>
+          <a:lstStyle/>
+          <a:p>
+            <a:pPr marL="0" marR="0" lvl="0" indent="0" algn="l" defTabSz="914400" rtl="0" eaLnBrk="0" fontAlgn="base" latinLnBrk="0" hangingPunct="0">
+              <a:lnSpc>
+                <a:spcPct val="100000"/>
+              </a:lnSpc>
+              <a:spcBef>
+                <a:spcPct val="0"/>
+              </a:spcBef>
+              <a:spcAft>
+                <a:spcPct val="0"/>
+              </a:spcAft>
+              <a:buClrTx/>
+              <a:buSzTx/>
+              <a:buFontTx/>
+              <a:buNone/>
+              <a:tabLst/>
+            </a:pPr>
+            <a:r>
+              <a:rPr kumimoji="0" lang="en-US" altLang="en-US" sz="1800" b="0" i="0" u="none" strike="noStrike" cap="none" normalizeH="0" baseline="0" smtClean="0">
+                <a:ln>
+                  <a:noFill/>
+                </a:ln>
+                <a:solidFill>
+                  <a:schemeClr val="tx1"/>
+                </a:solidFill>
+                <a:effectLst/>
+                <a:latin typeface="Arial" panose="020B0604020202020204" pitchFamily="34" charset="0"/>
+              </a:rPr>
+              <a:t/>
+            </a:r>
+            <a:br>
+              <a:rPr kumimoji="0" lang="en-US" altLang="en-US" sz="1800" b="0" i="0" u="none" strike="noStrike" cap="none" normalizeH="0" baseline="0" smtClean="0">
+                <a:ln>
+                  <a:noFill/>
+                </a:ln>
+                <a:solidFill>
+                  <a:schemeClr val="tx1"/>
+                </a:solidFill>
+                <a:effectLst/>
+                <a:latin typeface="Arial" panose="020B0604020202020204" pitchFamily="34" charset="0"/>
+              </a:rPr>
+            </a:br>
+            <a:endParaRPr kumimoji="0" lang="en-US" altLang="en-US" sz="1800" b="0" i="0" u="none" strike="noStrike" cap="none" normalizeH="0" baseline="0" smtClean="0">
+              <a:ln>
+                <a:noFill/>
+              </a:ln>
+              <a:solidFill>
+                <a:schemeClr val="tx1"/>
+              </a:solidFill>
+              <a:effectLst/>
+              <a:latin typeface="Arial" panose="020B0604020202020204" pitchFamily="34" charset="0"/>
+            </a:endParaRPr>
+          </a:p>
+        </p:txBody>
+      </p:sp>
+      <p:pic>
+        <p:nvPicPr>
+          <p:cNvPr id="4" name="Рисунок 3"/>
+          <p:cNvPicPr>
+            <a:picLocks noChangeAspect="1"/>
+          </p:cNvPicPr>
+          <p:nvPr/>
+        </p:nvPicPr>
+        <p:blipFill>
+          <a:blip r:embed="rId3"/>
+          <a:stretch>
+            <a:fillRect/>
+          </a:stretch>
+        </p:blipFill>
+        <p:spPr>
+          <a:xfrm>
+            <a:off x="1092348" y="3572705"/>
+            <a:ext cx="7903870" cy="2555452"/>
+          </a:xfrm>
+          <a:prstGeom prst="rect">
+            <a:avLst/>
+          </a:prstGeom>
+        </p:spPr>
+      </p:pic>
+    </p:spTree>
+    <p:extLst>
+      <p:ext uri="{BB962C8B-B14F-4D97-AF65-F5344CB8AC3E}">
+        <p14:creationId xmlns:p14="http://schemas.microsoft.com/office/powerpoint/2010/main" val="2065453976"/>
+      </p:ext>
+    </p:extLst>
+  </p:cSld>
+  <p:clrMapOvr>
+    <a:masterClrMapping/>
+  </p:clrMapOvr>
+  <p:timing>
+    <p:tnLst>
+      <p:par>
+        <p:cTn id="1" dur="indefinite" restart="never" nodeType="tmRoot"/>
+      </p:par>
+    </p:tnLst>
+  </p:timing>
+</p:sld>
+</file>
+
+<file path=ppt/slides/slide7.xml><?xml version="1.0" encoding="utf-8"?>
 <p:sld xmlns:a="http://schemas.openxmlformats.org/drawingml/2006/main" xmlns:r="http://schemas.openxmlformats.org/officeDocument/2006/relationships" xmlns:p="http://schemas.openxmlformats.org/presentationml/2006/main">
   <p:cSld>
     <p:spTree>
@@ -6458,17 +6656,7 @@
                 <a:latin typeface="Arial" pitchFamily="34" charset="0"/>
                 <a:cs typeface="Arial" pitchFamily="34" charset="0"/>
               </a:rPr>
-              <a:t>Задание </a:t>
-            </a:r>
-            <a:r>
-              <a:rPr lang="ru-RU" sz="3600" b="1" dirty="0" smtClean="0">
-                <a:solidFill>
-                  <a:srgbClr val="0064B5"/>
-                </a:solidFill>
-                <a:latin typeface="Arial" pitchFamily="34" charset="0"/>
-                <a:cs typeface="Arial" pitchFamily="34" charset="0"/>
-              </a:rPr>
-              <a:t>3</a:t>
+              <a:t>Задание 3</a:t>
             </a:r>
             <a:endParaRPr lang="ru-RU" sz="3600" b="1" dirty="0">
               <a:solidFill>
@@ -6522,7 +6710,6 @@
               <a:rPr lang="ru-RU" sz="2400" dirty="0" smtClean="0"/>
               <a:t>Построить пространственное распределение конфликтов в Европе и в Украине.</a:t>
             </a:r>
-            <a:endParaRPr lang="ru-RU" sz="2400" dirty="0" smtClean="0"/>
           </a:p>
           <a:p>
             <a:pPr marL="457200" indent="-457200">
@@ -6586,1203 +6773,6 @@
     <p:extLst>
       <p:ext uri="{BB962C8B-B14F-4D97-AF65-F5344CB8AC3E}">
         <p14:creationId xmlns:p14="http://schemas.microsoft.com/office/powerpoint/2010/main" val="2677753411"/>
-      </p:ext>
-    </p:extLst>
-  </p:cSld>
-  <p:clrMapOvr>
-    <a:masterClrMapping/>
-  </p:clrMapOvr>
-  <p:timing>
-    <p:tnLst>
-      <p:par>
-        <p:cTn id="1" dur="indefinite" restart="never" nodeType="tmRoot"/>
-      </p:par>
-    </p:tnLst>
-  </p:timing>
-</p:sld>
-</file>
-
-<file path=ppt/slides/slide7.xml><?xml version="1.0" encoding="utf-8"?>
-<p:sld xmlns:a="http://schemas.openxmlformats.org/drawingml/2006/main" xmlns:r="http://schemas.openxmlformats.org/officeDocument/2006/relationships" xmlns:p="http://schemas.openxmlformats.org/presentationml/2006/main">
-  <p:cSld>
-    <p:spTree>
-      <p:nvGrpSpPr>
-        <p:cNvPr id="1" name=""/>
-        <p:cNvGrpSpPr/>
-        <p:nvPr/>
-      </p:nvGrpSpPr>
-      <p:grpSpPr>
-        <a:xfrm>
-          <a:off x="0" y="0"/>
-          <a:ext cx="0" cy="0"/>
-          <a:chOff x="0" y="0"/>
-          <a:chExt cx="0" cy="0"/>
-        </a:xfrm>
-      </p:grpSpPr>
-      <p:grpSp>
-        <p:nvGrpSpPr>
-          <p:cNvPr id="9" name="Группа 8"/>
-          <p:cNvGrpSpPr/>
-          <p:nvPr/>
-        </p:nvGrpSpPr>
-        <p:grpSpPr>
-          <a:xfrm>
-            <a:off x="156140" y="764636"/>
-            <a:ext cx="8583930" cy="83408"/>
-            <a:chOff x="240030" y="759941"/>
-            <a:chExt cx="8583930" cy="83408"/>
-          </a:xfrm>
-        </p:grpSpPr>
-        <p:cxnSp>
-          <p:nvCxnSpPr>
-            <p:cNvPr id="2" name="Прямая соединительная линия 1"/>
-            <p:cNvCxnSpPr/>
-            <p:nvPr/>
-          </p:nvCxnSpPr>
-          <p:spPr>
-            <a:xfrm>
-              <a:off x="560070" y="759941"/>
-              <a:ext cx="8263890" cy="0"/>
-            </a:xfrm>
-            <a:prstGeom prst="line">
-              <a:avLst/>
-            </a:prstGeom>
-            <a:ln w="76200" cap="flat" cmpd="sng" algn="ctr">
-              <a:solidFill>
-                <a:srgbClr val="0064B5"/>
-              </a:solidFill>
-              <a:prstDash val="solid"/>
-              <a:round/>
-              <a:headEnd type="none" w="med" len="sm"/>
-              <a:tailEnd type="none" w="med" len="sm"/>
-            </a:ln>
-          </p:spPr>
-          <p:style>
-            <a:lnRef idx="1">
-              <a:schemeClr val="accent1"/>
-            </a:lnRef>
-            <a:fillRef idx="0">
-              <a:schemeClr val="accent1"/>
-            </a:fillRef>
-            <a:effectRef idx="0">
-              <a:schemeClr val="accent1"/>
-            </a:effectRef>
-            <a:fontRef idx="minor">
-              <a:schemeClr val="tx1"/>
-            </a:fontRef>
-          </p:style>
-        </p:cxnSp>
-        <p:cxnSp>
-          <p:nvCxnSpPr>
-            <p:cNvPr id="3" name="Прямая соединительная линия 2"/>
-            <p:cNvCxnSpPr/>
-            <p:nvPr/>
-          </p:nvCxnSpPr>
-          <p:spPr>
-            <a:xfrm>
-              <a:off x="240030" y="843349"/>
-              <a:ext cx="8286750" cy="0"/>
-            </a:xfrm>
-            <a:prstGeom prst="line">
-              <a:avLst/>
-            </a:prstGeom>
-            <a:ln w="76200" cap="flat" cmpd="sng" algn="ctr">
-              <a:solidFill>
-                <a:srgbClr val="F5A200"/>
-              </a:solidFill>
-              <a:prstDash val="solid"/>
-              <a:round/>
-              <a:headEnd type="none" w="med" len="sm"/>
-              <a:tailEnd type="none" w="med" len="sm"/>
-            </a:ln>
-          </p:spPr>
-          <p:style>
-            <a:lnRef idx="1">
-              <a:schemeClr val="accent1"/>
-            </a:lnRef>
-            <a:fillRef idx="0">
-              <a:schemeClr val="accent1"/>
-            </a:fillRef>
-            <a:effectRef idx="0">
-              <a:schemeClr val="accent1"/>
-            </a:effectRef>
-            <a:fontRef idx="minor">
-              <a:schemeClr val="tx1"/>
-            </a:fontRef>
-          </p:style>
-        </p:cxnSp>
-      </p:grpSp>
-      <p:sp>
-        <p:nvSpPr>
-          <p:cNvPr id="5" name="TextBox 4"/>
-          <p:cNvSpPr txBox="1"/>
-          <p:nvPr/>
-        </p:nvSpPr>
-        <p:spPr>
-          <a:xfrm>
-            <a:off x="491506" y="135310"/>
-            <a:ext cx="8504712" cy="629326"/>
-          </a:xfrm>
-          <a:prstGeom prst="rect">
-            <a:avLst/>
-          </a:prstGeom>
-          <a:noFill/>
-        </p:spPr>
-        <p:txBody>
-          <a:bodyPr vert="horz" wrap="square" lIns="74600" tIns="37300" rIns="74600" bIns="37300" rtlCol="0">
-            <a:spAutoFit/>
-          </a:bodyPr>
-          <a:lstStyle/>
-          <a:p>
-            <a:r>
-              <a:rPr lang="en-US" sz="3600" b="1" dirty="0">
-                <a:solidFill>
-                  <a:srgbClr val="0064B5"/>
-                </a:solidFill>
-                <a:latin typeface="Arial" pitchFamily="34" charset="0"/>
-                <a:cs typeface="Arial" pitchFamily="34" charset="0"/>
-              </a:rPr>
-              <a:t>Google </a:t>
-            </a:r>
-            <a:r>
-              <a:rPr lang="en-US" sz="3600" b="1" dirty="0" smtClean="0">
-                <a:solidFill>
-                  <a:srgbClr val="0064B5"/>
-                </a:solidFill>
-                <a:latin typeface="Arial" pitchFamily="34" charset="0"/>
-                <a:cs typeface="Arial" pitchFamily="34" charset="0"/>
-              </a:rPr>
-              <a:t>Maps</a:t>
-            </a:r>
-            <a:r>
-              <a:rPr lang="ru-RU" sz="3600" b="1" dirty="0" smtClean="0">
-                <a:solidFill>
-                  <a:srgbClr val="0064B5"/>
-                </a:solidFill>
-                <a:latin typeface="Arial" pitchFamily="34" charset="0"/>
-                <a:cs typeface="Arial" pitchFamily="34" charset="0"/>
-              </a:rPr>
-              <a:t> </a:t>
-            </a:r>
-            <a:r>
-              <a:rPr lang="en-US" sz="3600" b="1" dirty="0" smtClean="0">
-                <a:solidFill>
-                  <a:srgbClr val="0064B5"/>
-                </a:solidFill>
-                <a:latin typeface="Arial" pitchFamily="34" charset="0"/>
-                <a:cs typeface="Arial" pitchFamily="34" charset="0"/>
-              </a:rPr>
-              <a:t>and Google Vis</a:t>
-            </a:r>
-            <a:endParaRPr lang="ru-RU" sz="3600" b="1" dirty="0">
-              <a:solidFill>
-                <a:srgbClr val="0064B5"/>
-              </a:solidFill>
-              <a:latin typeface="Arial" pitchFamily="34" charset="0"/>
-              <a:cs typeface="Arial" pitchFamily="34" charset="0"/>
-            </a:endParaRPr>
-          </a:p>
-        </p:txBody>
-      </p:sp>
-      <p:sp>
-        <p:nvSpPr>
-          <p:cNvPr id="7" name="Прямоугольник 6"/>
-          <p:cNvSpPr/>
-          <p:nvPr/>
-        </p:nvSpPr>
-        <p:spPr>
-          <a:xfrm>
-            <a:off x="360683" y="931452"/>
-            <a:ext cx="6664037" cy="2031325"/>
-          </a:xfrm>
-          <a:prstGeom prst="rect">
-            <a:avLst/>
-          </a:prstGeom>
-        </p:spPr>
-        <p:txBody>
-          <a:bodyPr wrap="square">
-            <a:spAutoFit/>
-          </a:bodyPr>
-          <a:lstStyle/>
-          <a:p>
-            <a:r>
-              <a:rPr lang="en-US" dirty="0"/>
-              <a:t>library(</a:t>
-            </a:r>
-            <a:r>
-              <a:rPr lang="en-US" dirty="0" err="1"/>
-              <a:t>googleVis</a:t>
-            </a:r>
-            <a:r>
-              <a:rPr lang="en-US" dirty="0"/>
-              <a:t>))</a:t>
-            </a:r>
-            <a:endParaRPr lang="ru-RU" dirty="0" smtClean="0"/>
-          </a:p>
-          <a:p>
-            <a:r>
-              <a:rPr lang="ru-RU" dirty="0" smtClean="0"/>
-              <a:t>Функция </a:t>
-            </a:r>
-            <a:r>
-              <a:rPr lang="ru-RU" dirty="0" smtClean="0"/>
-              <a:t>построения карты</a:t>
-            </a:r>
-            <a:endParaRPr lang="ru-RU" dirty="0" smtClean="0"/>
-          </a:p>
-          <a:p>
-            <a:r>
-              <a:rPr lang="en-US" dirty="0" err="1"/>
-              <a:t>gvisMap</a:t>
-            </a:r>
-            <a:r>
-              <a:rPr lang="en-US" dirty="0" smtClean="0"/>
-              <a:t>()</a:t>
-            </a:r>
-          </a:p>
-          <a:p>
-            <a:endParaRPr lang="en-US" dirty="0" smtClean="0"/>
-          </a:p>
-          <a:p>
-            <a:r>
-              <a:rPr lang="ru-RU" dirty="0" smtClean="0"/>
-              <a:t>Функция интерактивной</a:t>
-            </a:r>
-            <a:r>
-              <a:rPr lang="en-US" dirty="0" smtClean="0"/>
-              <a:t> web-</a:t>
-            </a:r>
-            <a:r>
-              <a:rPr lang="ru-RU" dirty="0" smtClean="0"/>
-              <a:t>графики !!!</a:t>
-            </a:r>
-          </a:p>
-          <a:p>
-            <a:r>
-              <a:rPr lang="en-US" dirty="0" err="1"/>
-              <a:t>gvisMotionChart</a:t>
-            </a:r>
-            <a:r>
-              <a:rPr lang="en-US" dirty="0" smtClean="0"/>
-              <a:t>(</a:t>
-            </a:r>
-            <a:r>
-              <a:rPr lang="ru-RU" dirty="0" smtClean="0"/>
-              <a:t>)</a:t>
-            </a:r>
-          </a:p>
-          <a:p>
-            <a:endParaRPr lang="ru-RU" dirty="0"/>
-          </a:p>
-        </p:txBody>
-      </p:sp>
-      <p:sp>
-        <p:nvSpPr>
-          <p:cNvPr id="11" name="Rectangle 3"/>
-          <p:cNvSpPr>
-            <a:spLocks noChangeArrowheads="1"/>
-          </p:cNvSpPr>
-          <p:nvPr/>
-        </p:nvSpPr>
-        <p:spPr bwMode="auto">
-          <a:xfrm>
-            <a:off x="2797175" y="1828800"/>
-            <a:ext cx="9144000" cy="0"/>
-          </a:xfrm>
-          <a:prstGeom prst="rect">
-            <a:avLst/>
-          </a:prstGeom>
-          <a:noFill/>
-          <a:ln>
-            <a:noFill/>
-          </a:ln>
-          <a:effectLst/>
-          <a:extLst>
-            <a:ext uri="{909E8E84-426E-40DD-AFC4-6F175D3DCCD1}">
-              <a14:hiddenFill xmlns:a14="http://schemas.microsoft.com/office/drawing/2010/main">
-                <a:solidFill>
-                  <a:schemeClr val="accent1"/>
-                </a:solidFill>
-              </a14:hiddenFill>
-            </a:ext>
-            <a:ext uri="{91240B29-F687-4F45-9708-019B960494DF}">
-              <a14:hiddenLine xmlns:a14="http://schemas.microsoft.com/office/drawing/2010/main" w="9525">
-                <a:solidFill>
-                  <a:schemeClr val="tx1"/>
-                </a:solidFill>
-                <a:miter lim="800000"/>
-                <a:headEnd/>
-                <a:tailEnd/>
-              </a14:hiddenLine>
-            </a:ext>
-            <a:ext uri="{AF507438-7753-43E0-B8FC-AC1667EBCBE1}">
-              <a14:hiddenEffects xmlns:a14="http://schemas.microsoft.com/office/drawing/2010/main">
-                <a:effectLst>
-                  <a:outerShdw dist="35921" dir="2700000" algn="ctr" rotWithShape="0">
-                    <a:schemeClr val="bg2"/>
-                  </a:outerShdw>
-                </a:effectLst>
-              </a14:hiddenEffects>
-            </a:ext>
-          </a:extLst>
-        </p:spPr>
-        <p:txBody>
-          <a:bodyPr vert="horz" wrap="none" lIns="91440" tIns="45720" rIns="91440" bIns="45720" numCol="1" anchor="ctr" anchorCtr="0" compatLnSpc="1">
-            <a:prstTxWarp prst="textNoShape">
-              <a:avLst/>
-            </a:prstTxWarp>
-            <a:spAutoFit/>
-          </a:bodyPr>
-          <a:lstStyle/>
-          <a:p>
-            <a:pPr marL="0" marR="0" lvl="0" indent="0" algn="l" defTabSz="914400" rtl="0" eaLnBrk="0" fontAlgn="base" latinLnBrk="0" hangingPunct="0">
-              <a:lnSpc>
-                <a:spcPct val="100000"/>
-              </a:lnSpc>
-              <a:spcBef>
-                <a:spcPct val="0"/>
-              </a:spcBef>
-              <a:spcAft>
-                <a:spcPct val="0"/>
-              </a:spcAft>
-              <a:buClrTx/>
-              <a:buSzTx/>
-              <a:buFontTx/>
-              <a:buNone/>
-              <a:tabLst/>
-            </a:pPr>
-            <a:r>
-              <a:rPr kumimoji="0" lang="en-US" altLang="en-US" sz="1800" b="0" i="0" u="none" strike="noStrike" cap="none" normalizeH="0" baseline="0" smtClean="0">
-                <a:ln>
-                  <a:noFill/>
-                </a:ln>
-                <a:solidFill>
-                  <a:schemeClr val="tx1"/>
-                </a:solidFill>
-                <a:effectLst/>
-                <a:latin typeface="Arial" panose="020B0604020202020204" pitchFamily="34" charset="0"/>
-              </a:rPr>
-              <a:t/>
-            </a:r>
-            <a:br>
-              <a:rPr kumimoji="0" lang="en-US" altLang="en-US" sz="1800" b="0" i="0" u="none" strike="noStrike" cap="none" normalizeH="0" baseline="0" smtClean="0">
-                <a:ln>
-                  <a:noFill/>
-                </a:ln>
-                <a:solidFill>
-                  <a:schemeClr val="tx1"/>
-                </a:solidFill>
-                <a:effectLst/>
-                <a:latin typeface="Arial" panose="020B0604020202020204" pitchFamily="34" charset="0"/>
-              </a:rPr>
-            </a:br>
-            <a:endParaRPr kumimoji="0" lang="en-US" altLang="en-US" sz="1800" b="0" i="0" u="none" strike="noStrike" cap="none" normalizeH="0" baseline="0" smtClean="0">
-              <a:ln>
-                <a:noFill/>
-              </a:ln>
-              <a:solidFill>
-                <a:schemeClr val="tx1"/>
-              </a:solidFill>
-              <a:effectLst/>
-              <a:latin typeface="Arial" panose="020B0604020202020204" pitchFamily="34" charset="0"/>
-            </a:endParaRPr>
-          </a:p>
-        </p:txBody>
-      </p:sp>
-      <p:pic>
-        <p:nvPicPr>
-          <p:cNvPr id="4" name="Рисунок 3"/>
-          <p:cNvPicPr>
-            <a:picLocks noChangeAspect="1"/>
-          </p:cNvPicPr>
-          <p:nvPr/>
-        </p:nvPicPr>
-        <p:blipFill>
-          <a:blip r:embed="rId3"/>
-          <a:stretch>
-            <a:fillRect/>
-          </a:stretch>
-        </p:blipFill>
-        <p:spPr>
-          <a:xfrm>
-            <a:off x="1092348" y="3572705"/>
-            <a:ext cx="7903870" cy="2555452"/>
-          </a:xfrm>
-          <a:prstGeom prst="rect">
-            <a:avLst/>
-          </a:prstGeom>
-        </p:spPr>
-      </p:pic>
-    </p:spTree>
-    <p:extLst>
-      <p:ext uri="{BB962C8B-B14F-4D97-AF65-F5344CB8AC3E}">
-        <p14:creationId xmlns:p14="http://schemas.microsoft.com/office/powerpoint/2010/main" val="2065453976"/>
-      </p:ext>
-    </p:extLst>
-  </p:cSld>
-  <p:clrMapOvr>
-    <a:masterClrMapping/>
-  </p:clrMapOvr>
-  <p:timing>
-    <p:tnLst>
-      <p:par>
-        <p:cTn id="1" dur="indefinite" restart="never" nodeType="tmRoot"/>
-      </p:par>
-    </p:tnLst>
-  </p:timing>
-</p:sld>
-</file>
-
-<file path=ppt/slides/slide8.xml><?xml version="1.0" encoding="utf-8"?>
-<p:sld xmlns:a="http://schemas.openxmlformats.org/drawingml/2006/main" xmlns:r="http://schemas.openxmlformats.org/officeDocument/2006/relationships" xmlns:p="http://schemas.openxmlformats.org/presentationml/2006/main">
-  <p:cSld>
-    <p:spTree>
-      <p:nvGrpSpPr>
-        <p:cNvPr id="1" name=""/>
-        <p:cNvGrpSpPr/>
-        <p:nvPr/>
-      </p:nvGrpSpPr>
-      <p:grpSpPr>
-        <a:xfrm>
-          <a:off x="0" y="0"/>
-          <a:ext cx="0" cy="0"/>
-          <a:chOff x="0" y="0"/>
-          <a:chExt cx="0" cy="0"/>
-        </a:xfrm>
-      </p:grpSpPr>
-      <p:grpSp>
-        <p:nvGrpSpPr>
-          <p:cNvPr id="9" name="Группа 8"/>
-          <p:cNvGrpSpPr/>
-          <p:nvPr/>
-        </p:nvGrpSpPr>
-        <p:grpSpPr>
-          <a:xfrm>
-            <a:off x="231641" y="804755"/>
-            <a:ext cx="8583930" cy="83408"/>
-            <a:chOff x="240030" y="759941"/>
-            <a:chExt cx="8583930" cy="83408"/>
-          </a:xfrm>
-        </p:grpSpPr>
-        <p:cxnSp>
-          <p:nvCxnSpPr>
-            <p:cNvPr id="2" name="Прямая соединительная линия 1"/>
-            <p:cNvCxnSpPr/>
-            <p:nvPr/>
-          </p:nvCxnSpPr>
-          <p:spPr>
-            <a:xfrm>
-              <a:off x="560070" y="759941"/>
-              <a:ext cx="8263890" cy="0"/>
-            </a:xfrm>
-            <a:prstGeom prst="line">
-              <a:avLst/>
-            </a:prstGeom>
-            <a:ln w="76200" cap="flat" cmpd="sng" algn="ctr">
-              <a:solidFill>
-                <a:srgbClr val="0064B5"/>
-              </a:solidFill>
-              <a:prstDash val="solid"/>
-              <a:round/>
-              <a:headEnd type="none" w="med" len="sm"/>
-              <a:tailEnd type="none" w="med" len="sm"/>
-            </a:ln>
-          </p:spPr>
-          <p:style>
-            <a:lnRef idx="1">
-              <a:schemeClr val="accent1"/>
-            </a:lnRef>
-            <a:fillRef idx="0">
-              <a:schemeClr val="accent1"/>
-            </a:fillRef>
-            <a:effectRef idx="0">
-              <a:schemeClr val="accent1"/>
-            </a:effectRef>
-            <a:fontRef idx="minor">
-              <a:schemeClr val="tx1"/>
-            </a:fontRef>
-          </p:style>
-        </p:cxnSp>
-        <p:cxnSp>
-          <p:nvCxnSpPr>
-            <p:cNvPr id="3" name="Прямая соединительная линия 2"/>
-            <p:cNvCxnSpPr/>
-            <p:nvPr/>
-          </p:nvCxnSpPr>
-          <p:spPr>
-            <a:xfrm>
-              <a:off x="240030" y="843349"/>
-              <a:ext cx="8286750" cy="0"/>
-            </a:xfrm>
-            <a:prstGeom prst="line">
-              <a:avLst/>
-            </a:prstGeom>
-            <a:ln w="76200" cap="flat" cmpd="sng" algn="ctr">
-              <a:solidFill>
-                <a:srgbClr val="F5A200"/>
-              </a:solidFill>
-              <a:prstDash val="solid"/>
-              <a:round/>
-              <a:headEnd type="none" w="med" len="sm"/>
-              <a:tailEnd type="none" w="med" len="sm"/>
-            </a:ln>
-          </p:spPr>
-          <p:style>
-            <a:lnRef idx="1">
-              <a:schemeClr val="accent1"/>
-            </a:lnRef>
-            <a:fillRef idx="0">
-              <a:schemeClr val="accent1"/>
-            </a:fillRef>
-            <a:effectRef idx="0">
-              <a:schemeClr val="accent1"/>
-            </a:effectRef>
-            <a:fontRef idx="minor">
-              <a:schemeClr val="tx1"/>
-            </a:fontRef>
-          </p:style>
-        </p:cxnSp>
-      </p:grpSp>
-      <p:sp>
-        <p:nvSpPr>
-          <p:cNvPr id="5" name="TextBox 4"/>
-          <p:cNvSpPr txBox="1"/>
-          <p:nvPr/>
-        </p:nvSpPr>
-        <p:spPr>
-          <a:xfrm>
-            <a:off x="491506" y="135310"/>
-            <a:ext cx="8504712" cy="629326"/>
-          </a:xfrm>
-          <a:prstGeom prst="rect">
-            <a:avLst/>
-          </a:prstGeom>
-          <a:noFill/>
-        </p:spPr>
-        <p:txBody>
-          <a:bodyPr vert="horz" wrap="square" lIns="74600" tIns="37300" rIns="74600" bIns="37300" rtlCol="0">
-            <a:spAutoFit/>
-          </a:bodyPr>
-          <a:lstStyle/>
-          <a:p>
-            <a:r>
-              <a:rPr lang="ru-RU" sz="3600" b="1" dirty="0" smtClean="0">
-                <a:solidFill>
-                  <a:srgbClr val="0064B5"/>
-                </a:solidFill>
-                <a:latin typeface="Arial" pitchFamily="34" charset="0"/>
-                <a:cs typeface="Arial" pitchFamily="34" charset="0"/>
-              </a:rPr>
-              <a:t>Построение картограмм</a:t>
-            </a:r>
-            <a:endParaRPr lang="ru-RU" sz="3600" b="1" dirty="0">
-              <a:solidFill>
-                <a:srgbClr val="0064B5"/>
-              </a:solidFill>
-              <a:latin typeface="Arial" pitchFamily="34" charset="0"/>
-              <a:cs typeface="Arial" pitchFamily="34" charset="0"/>
-            </a:endParaRPr>
-          </a:p>
-        </p:txBody>
-      </p:sp>
-      <p:sp>
-        <p:nvSpPr>
-          <p:cNvPr id="7" name="Прямоугольник 6"/>
-          <p:cNvSpPr/>
-          <p:nvPr/>
-        </p:nvSpPr>
-        <p:spPr>
-          <a:xfrm>
-            <a:off x="300524" y="1030293"/>
-            <a:ext cx="6664037" cy="2862322"/>
-          </a:xfrm>
-          <a:prstGeom prst="rect">
-            <a:avLst/>
-          </a:prstGeom>
-        </p:spPr>
-        <p:txBody>
-          <a:bodyPr wrap="square">
-            <a:spAutoFit/>
-          </a:bodyPr>
-          <a:lstStyle/>
-          <a:p>
-            <a:r>
-              <a:rPr lang="en-US" dirty="0"/>
-              <a:t>library(</a:t>
-            </a:r>
-            <a:r>
-              <a:rPr lang="en-US" dirty="0" err="1"/>
-              <a:t>maptools</a:t>
-            </a:r>
-            <a:r>
-              <a:rPr lang="en-US" dirty="0" smtClean="0"/>
-              <a:t>)</a:t>
-            </a:r>
-            <a:endParaRPr lang="ru-RU" dirty="0" smtClean="0"/>
-          </a:p>
-          <a:p>
-            <a:r>
-              <a:rPr lang="ru-RU" dirty="0" smtClean="0"/>
-              <a:t>Чтение </a:t>
-            </a:r>
-            <a:r>
-              <a:rPr lang="en-US" dirty="0" smtClean="0"/>
-              <a:t>shape-</a:t>
-            </a:r>
-            <a:r>
-              <a:rPr lang="ru-RU" dirty="0" smtClean="0"/>
-              <a:t>файлов</a:t>
-            </a:r>
-            <a:endParaRPr lang="ru-RU" dirty="0" smtClean="0"/>
-          </a:p>
-          <a:p>
-            <a:r>
-              <a:rPr lang="en-US" dirty="0" err="1"/>
-              <a:t>readShapePoly</a:t>
-            </a:r>
-            <a:r>
-              <a:rPr lang="en-US" dirty="0"/>
-              <a:t>("Fra_adm1.shp</a:t>
-            </a:r>
-            <a:r>
-              <a:rPr lang="en-US" dirty="0" smtClean="0"/>
-              <a:t>")</a:t>
-            </a:r>
-            <a:endParaRPr lang="ru-RU" dirty="0" smtClean="0"/>
-          </a:p>
-          <a:p>
-            <a:endParaRPr lang="en-US" dirty="0" smtClean="0"/>
-          </a:p>
-          <a:p>
-            <a:r>
-              <a:rPr lang="ru-RU" dirty="0" smtClean="0"/>
-              <a:t>Функция построение карт</a:t>
-            </a:r>
-          </a:p>
-          <a:p>
-            <a:r>
-              <a:rPr lang="en-US" dirty="0" err="1" smtClean="0"/>
-              <a:t>spplot</a:t>
-            </a:r>
-            <a:r>
-              <a:rPr lang="ru-RU" dirty="0" smtClean="0"/>
-              <a:t>()</a:t>
-            </a:r>
-          </a:p>
-          <a:p>
-            <a:endParaRPr lang="ru-RU" dirty="0"/>
-          </a:p>
-          <a:p>
-            <a:r>
-              <a:rPr lang="ru-RU" dirty="0"/>
-              <a:t>Функция построение </a:t>
-            </a:r>
-            <a:r>
-              <a:rPr lang="ru-RU" dirty="0" smtClean="0"/>
-              <a:t>карт</a:t>
-            </a:r>
-            <a:r>
-              <a:rPr lang="en-US" dirty="0" smtClean="0"/>
-              <a:t> ggplot2</a:t>
-            </a:r>
-            <a:endParaRPr lang="ru-RU" dirty="0"/>
-          </a:p>
-          <a:p>
-            <a:r>
-              <a:rPr lang="en-US" dirty="0" err="1"/>
-              <a:t>ggplot</a:t>
-            </a:r>
-            <a:r>
-              <a:rPr lang="en-US" dirty="0"/>
-              <a:t>() + </a:t>
-            </a:r>
-            <a:r>
-              <a:rPr lang="en-US" dirty="0" err="1"/>
-              <a:t>geom_map</a:t>
-            </a:r>
-            <a:r>
-              <a:rPr lang="en-US" dirty="0" smtClean="0"/>
-              <a:t>() </a:t>
-            </a:r>
-          </a:p>
-          <a:p>
-            <a:endParaRPr lang="ru-RU" dirty="0" smtClean="0"/>
-          </a:p>
-        </p:txBody>
-      </p:sp>
-      <p:sp>
-        <p:nvSpPr>
-          <p:cNvPr id="11" name="Rectangle 3"/>
-          <p:cNvSpPr>
-            <a:spLocks noChangeArrowheads="1"/>
-          </p:cNvSpPr>
-          <p:nvPr/>
-        </p:nvSpPr>
-        <p:spPr bwMode="auto">
-          <a:xfrm>
-            <a:off x="2797175" y="1828800"/>
-            <a:ext cx="9144000" cy="0"/>
-          </a:xfrm>
-          <a:prstGeom prst="rect">
-            <a:avLst/>
-          </a:prstGeom>
-          <a:noFill/>
-          <a:ln>
-            <a:noFill/>
-          </a:ln>
-          <a:effectLst/>
-          <a:extLst>
-            <a:ext uri="{909E8E84-426E-40DD-AFC4-6F175D3DCCD1}">
-              <a14:hiddenFill xmlns:a14="http://schemas.microsoft.com/office/drawing/2010/main">
-                <a:solidFill>
-                  <a:schemeClr val="accent1"/>
-                </a:solidFill>
-              </a14:hiddenFill>
-            </a:ext>
-            <a:ext uri="{91240B29-F687-4F45-9708-019B960494DF}">
-              <a14:hiddenLine xmlns:a14="http://schemas.microsoft.com/office/drawing/2010/main" w="9525">
-                <a:solidFill>
-                  <a:schemeClr val="tx1"/>
-                </a:solidFill>
-                <a:miter lim="800000"/>
-                <a:headEnd/>
-                <a:tailEnd/>
-              </a14:hiddenLine>
-            </a:ext>
-            <a:ext uri="{AF507438-7753-43E0-B8FC-AC1667EBCBE1}">
-              <a14:hiddenEffects xmlns:a14="http://schemas.microsoft.com/office/drawing/2010/main">
-                <a:effectLst>
-                  <a:outerShdw dist="35921" dir="2700000" algn="ctr" rotWithShape="0">
-                    <a:schemeClr val="bg2"/>
-                  </a:outerShdw>
-                </a:effectLst>
-              </a14:hiddenEffects>
-            </a:ext>
-          </a:extLst>
-        </p:spPr>
-        <p:txBody>
-          <a:bodyPr vert="horz" wrap="none" lIns="91440" tIns="45720" rIns="91440" bIns="45720" numCol="1" anchor="ctr" anchorCtr="0" compatLnSpc="1">
-            <a:prstTxWarp prst="textNoShape">
-              <a:avLst/>
-            </a:prstTxWarp>
-            <a:spAutoFit/>
-          </a:bodyPr>
-          <a:lstStyle/>
-          <a:p>
-            <a:pPr marL="0" marR="0" lvl="0" indent="0" algn="l" defTabSz="914400" rtl="0" eaLnBrk="0" fontAlgn="base" latinLnBrk="0" hangingPunct="0">
-              <a:lnSpc>
-                <a:spcPct val="100000"/>
-              </a:lnSpc>
-              <a:spcBef>
-                <a:spcPct val="0"/>
-              </a:spcBef>
-              <a:spcAft>
-                <a:spcPct val="0"/>
-              </a:spcAft>
-              <a:buClrTx/>
-              <a:buSzTx/>
-              <a:buFontTx/>
-              <a:buNone/>
-              <a:tabLst/>
-            </a:pPr>
-            <a:r>
-              <a:rPr kumimoji="0" lang="en-US" altLang="en-US" sz="1800" b="0" i="0" u="none" strike="noStrike" cap="none" normalizeH="0" baseline="0" smtClean="0">
-                <a:ln>
-                  <a:noFill/>
-                </a:ln>
-                <a:solidFill>
-                  <a:schemeClr val="tx1"/>
-                </a:solidFill>
-                <a:effectLst/>
-                <a:latin typeface="Arial" panose="020B0604020202020204" pitchFamily="34" charset="0"/>
-              </a:rPr>
-              <a:t/>
-            </a:r>
-            <a:br>
-              <a:rPr kumimoji="0" lang="en-US" altLang="en-US" sz="1800" b="0" i="0" u="none" strike="noStrike" cap="none" normalizeH="0" baseline="0" smtClean="0">
-                <a:ln>
-                  <a:noFill/>
-                </a:ln>
-                <a:solidFill>
-                  <a:schemeClr val="tx1"/>
-                </a:solidFill>
-                <a:effectLst/>
-                <a:latin typeface="Arial" panose="020B0604020202020204" pitchFamily="34" charset="0"/>
-              </a:rPr>
-            </a:br>
-            <a:endParaRPr kumimoji="0" lang="en-US" altLang="en-US" sz="1800" b="0" i="0" u="none" strike="noStrike" cap="none" normalizeH="0" baseline="0" smtClean="0">
-              <a:ln>
-                <a:noFill/>
-              </a:ln>
-              <a:solidFill>
-                <a:schemeClr val="tx1"/>
-              </a:solidFill>
-              <a:effectLst/>
-              <a:latin typeface="Arial" panose="020B0604020202020204" pitchFamily="34" charset="0"/>
-            </a:endParaRPr>
-          </a:p>
-        </p:txBody>
-      </p:sp>
-      <p:pic>
-        <p:nvPicPr>
-          <p:cNvPr id="4" name="Рисунок 3"/>
-          <p:cNvPicPr>
-            <a:picLocks noChangeAspect="1"/>
-          </p:cNvPicPr>
-          <p:nvPr/>
-        </p:nvPicPr>
-        <p:blipFill>
-          <a:blip r:embed="rId3"/>
-          <a:stretch>
-            <a:fillRect/>
-          </a:stretch>
-        </p:blipFill>
-        <p:spPr>
-          <a:xfrm>
-            <a:off x="4826239" y="971571"/>
-            <a:ext cx="4080094" cy="3151873"/>
-          </a:xfrm>
-          <a:prstGeom prst="rect">
-            <a:avLst/>
-          </a:prstGeom>
-        </p:spPr>
-      </p:pic>
-      <p:pic>
-        <p:nvPicPr>
-          <p:cNvPr id="8" name="Рисунок 7"/>
-          <p:cNvPicPr>
-            <a:picLocks noChangeAspect="1"/>
-          </p:cNvPicPr>
-          <p:nvPr/>
-        </p:nvPicPr>
-        <p:blipFill rotWithShape="1">
-          <a:blip r:embed="rId4"/>
-          <a:srcRect t="16884" b="20484"/>
-          <a:stretch/>
-        </p:blipFill>
-        <p:spPr>
-          <a:xfrm>
-            <a:off x="1002924" y="4098758"/>
-            <a:ext cx="2978303" cy="2457975"/>
-          </a:xfrm>
-          <a:prstGeom prst="rect">
-            <a:avLst/>
-          </a:prstGeom>
-        </p:spPr>
-      </p:pic>
-    </p:spTree>
-    <p:extLst>
-      <p:ext uri="{BB962C8B-B14F-4D97-AF65-F5344CB8AC3E}">
-        <p14:creationId xmlns:p14="http://schemas.microsoft.com/office/powerpoint/2010/main" val="969955257"/>
-      </p:ext>
-    </p:extLst>
-  </p:cSld>
-  <p:clrMapOvr>
-    <a:masterClrMapping/>
-  </p:clrMapOvr>
-  <p:timing>
-    <p:tnLst>
-      <p:par>
-        <p:cTn id="1" dur="indefinite" restart="never" nodeType="tmRoot"/>
-      </p:par>
-    </p:tnLst>
-  </p:timing>
-</p:sld>
-</file>
-
-<file path=ppt/slides/slide9.xml><?xml version="1.0" encoding="utf-8"?>
-<p:sld xmlns:a="http://schemas.openxmlformats.org/drawingml/2006/main" xmlns:r="http://schemas.openxmlformats.org/officeDocument/2006/relationships" xmlns:p="http://schemas.openxmlformats.org/presentationml/2006/main">
-  <p:cSld>
-    <p:spTree>
-      <p:nvGrpSpPr>
-        <p:cNvPr id="1" name=""/>
-        <p:cNvGrpSpPr/>
-        <p:nvPr/>
-      </p:nvGrpSpPr>
-      <p:grpSpPr>
-        <a:xfrm>
-          <a:off x="0" y="0"/>
-          <a:ext cx="0" cy="0"/>
-          <a:chOff x="0" y="0"/>
-          <a:chExt cx="0" cy="0"/>
-        </a:xfrm>
-      </p:grpSpPr>
-      <p:grpSp>
-        <p:nvGrpSpPr>
-          <p:cNvPr id="9" name="Группа 8"/>
-          <p:cNvGrpSpPr/>
-          <p:nvPr/>
-        </p:nvGrpSpPr>
-        <p:grpSpPr>
-          <a:xfrm>
-            <a:off x="240030" y="759941"/>
-            <a:ext cx="8583930" cy="83408"/>
-            <a:chOff x="240030" y="759941"/>
-            <a:chExt cx="8583930" cy="83408"/>
-          </a:xfrm>
-        </p:grpSpPr>
-        <p:cxnSp>
-          <p:nvCxnSpPr>
-            <p:cNvPr id="2" name="Прямая соединительная линия 1"/>
-            <p:cNvCxnSpPr/>
-            <p:nvPr/>
-          </p:nvCxnSpPr>
-          <p:spPr>
-            <a:xfrm>
-              <a:off x="560070" y="759941"/>
-              <a:ext cx="8263890" cy="0"/>
-            </a:xfrm>
-            <a:prstGeom prst="line">
-              <a:avLst/>
-            </a:prstGeom>
-            <a:ln w="76200" cap="flat" cmpd="sng" algn="ctr">
-              <a:solidFill>
-                <a:srgbClr val="0064B5"/>
-              </a:solidFill>
-              <a:prstDash val="solid"/>
-              <a:round/>
-              <a:headEnd type="none" w="med" len="sm"/>
-              <a:tailEnd type="none" w="med" len="sm"/>
-            </a:ln>
-          </p:spPr>
-          <p:style>
-            <a:lnRef idx="1">
-              <a:schemeClr val="accent1"/>
-            </a:lnRef>
-            <a:fillRef idx="0">
-              <a:schemeClr val="accent1"/>
-            </a:fillRef>
-            <a:effectRef idx="0">
-              <a:schemeClr val="accent1"/>
-            </a:effectRef>
-            <a:fontRef idx="minor">
-              <a:schemeClr val="tx1"/>
-            </a:fontRef>
-          </p:style>
-        </p:cxnSp>
-        <p:cxnSp>
-          <p:nvCxnSpPr>
-            <p:cNvPr id="3" name="Прямая соединительная линия 2"/>
-            <p:cNvCxnSpPr/>
-            <p:nvPr/>
-          </p:nvCxnSpPr>
-          <p:spPr>
-            <a:xfrm>
-              <a:off x="240030" y="843349"/>
-              <a:ext cx="8286750" cy="0"/>
-            </a:xfrm>
-            <a:prstGeom prst="line">
-              <a:avLst/>
-            </a:prstGeom>
-            <a:ln w="76200" cap="flat" cmpd="sng" algn="ctr">
-              <a:solidFill>
-                <a:srgbClr val="F5A200"/>
-              </a:solidFill>
-              <a:prstDash val="solid"/>
-              <a:round/>
-              <a:headEnd type="none" w="med" len="sm"/>
-              <a:tailEnd type="none" w="med" len="sm"/>
-            </a:ln>
-          </p:spPr>
-          <p:style>
-            <a:lnRef idx="1">
-              <a:schemeClr val="accent1"/>
-            </a:lnRef>
-            <a:fillRef idx="0">
-              <a:schemeClr val="accent1"/>
-            </a:fillRef>
-            <a:effectRef idx="0">
-              <a:schemeClr val="accent1"/>
-            </a:effectRef>
-            <a:fontRef idx="minor">
-              <a:schemeClr val="tx1"/>
-            </a:fontRef>
-          </p:style>
-        </p:cxnSp>
-      </p:grpSp>
-      <p:sp>
-        <p:nvSpPr>
-          <p:cNvPr id="5" name="TextBox 4"/>
-          <p:cNvSpPr txBox="1"/>
-          <p:nvPr/>
-        </p:nvSpPr>
-        <p:spPr>
-          <a:xfrm>
-            <a:off x="491506" y="135310"/>
-            <a:ext cx="8504712" cy="629326"/>
-          </a:xfrm>
-          <a:prstGeom prst="rect">
-            <a:avLst/>
-          </a:prstGeom>
-          <a:noFill/>
-        </p:spPr>
-        <p:txBody>
-          <a:bodyPr vert="horz" wrap="square" lIns="74600" tIns="37300" rIns="74600" bIns="37300" rtlCol="0">
-            <a:spAutoFit/>
-          </a:bodyPr>
-          <a:lstStyle/>
-          <a:p>
-            <a:r>
-              <a:rPr lang="ru-RU" sz="3600" b="1" dirty="0" smtClean="0">
-                <a:solidFill>
-                  <a:srgbClr val="0064B5"/>
-                </a:solidFill>
-                <a:latin typeface="Arial" pitchFamily="34" charset="0"/>
-                <a:cs typeface="Arial" pitchFamily="34" charset="0"/>
-              </a:rPr>
-              <a:t>Задание </a:t>
-            </a:r>
-            <a:r>
-              <a:rPr lang="en-US" sz="3600" b="1" dirty="0" smtClean="0">
-                <a:solidFill>
-                  <a:srgbClr val="0064B5"/>
-                </a:solidFill>
-                <a:latin typeface="Arial" pitchFamily="34" charset="0"/>
-                <a:cs typeface="Arial" pitchFamily="34" charset="0"/>
-              </a:rPr>
-              <a:t>4</a:t>
-            </a:r>
-            <a:endParaRPr lang="ru-RU" sz="3600" b="1" dirty="0">
-              <a:solidFill>
-                <a:srgbClr val="0064B5"/>
-              </a:solidFill>
-              <a:latin typeface="Arial" pitchFamily="34" charset="0"/>
-              <a:cs typeface="Arial" pitchFamily="34" charset="0"/>
-            </a:endParaRPr>
-          </a:p>
-        </p:txBody>
-      </p:sp>
-      <p:sp>
-        <p:nvSpPr>
-          <p:cNvPr id="4" name="Прямоугольник 3"/>
-          <p:cNvSpPr/>
-          <p:nvPr/>
-        </p:nvSpPr>
-        <p:spPr>
-          <a:xfrm>
-            <a:off x="174140" y="922063"/>
-            <a:ext cx="8649820" cy="3785652"/>
-          </a:xfrm>
-          <a:prstGeom prst="rect">
-            <a:avLst/>
-          </a:prstGeom>
-        </p:spPr>
-        <p:txBody>
-          <a:bodyPr wrap="square">
-            <a:spAutoFit/>
-          </a:bodyPr>
-          <a:lstStyle/>
-          <a:p>
-            <a:pPr marL="457200" indent="-457200">
-              <a:buAutoNum type="arabicPeriod"/>
-            </a:pPr>
-            <a:r>
-              <a:rPr lang="ru-RU" sz="2400" dirty="0" smtClean="0"/>
-              <a:t>Загрузить </a:t>
-            </a:r>
-            <a:r>
-              <a:rPr lang="en-US" sz="2400" dirty="0" smtClean="0"/>
-              <a:t>shape-</a:t>
-            </a:r>
-            <a:r>
-              <a:rPr lang="ru-RU" sz="2400" dirty="0" smtClean="0"/>
-              <a:t>файл с областями Украины.</a:t>
-            </a:r>
-            <a:endParaRPr lang="ru-RU" sz="2400" dirty="0" smtClean="0"/>
-          </a:p>
-          <a:p>
-            <a:pPr marL="457200" indent="-457200">
-              <a:buAutoNum type="arabicPeriod"/>
-            </a:pPr>
-            <a:r>
-              <a:rPr lang="ru-RU" sz="2400" dirty="0" smtClean="0"/>
-              <a:t>Построить картограммы для Среднемесячной </a:t>
-            </a:r>
-            <a:r>
-              <a:rPr lang="ru-RU" sz="2400" dirty="0" err="1" smtClean="0"/>
-              <a:t>зароботной</a:t>
-            </a:r>
-            <a:r>
-              <a:rPr lang="ru-RU" sz="2400" dirty="0" smtClean="0"/>
-              <a:t> платы и Валовому национальному продукту по регионам за 2015 год.</a:t>
-            </a:r>
-          </a:p>
-          <a:p>
-            <a:pPr marL="457200" indent="-457200">
-              <a:buAutoNum type="arabicPeriod"/>
-            </a:pPr>
-            <a:r>
-              <a:rPr lang="ru-RU" sz="2400" dirty="0" smtClean="0"/>
-              <a:t>По данным за 2006-2015 года для каждого региона </a:t>
-            </a:r>
-            <a:r>
-              <a:rPr lang="ru-RU" sz="2400" dirty="0" err="1" smtClean="0"/>
-              <a:t>расчитать</a:t>
-            </a:r>
-            <a:r>
-              <a:rPr lang="ru-RU" sz="2400" dirty="0" smtClean="0"/>
-              <a:t> коэффициент </a:t>
-            </a:r>
-            <a:r>
-              <a:rPr lang="ru-RU" sz="2400" dirty="0" err="1" smtClean="0"/>
-              <a:t>кореляции</a:t>
-            </a:r>
-            <a:r>
-              <a:rPr lang="ru-RU" sz="2400" dirty="0" smtClean="0"/>
-              <a:t> между </a:t>
-            </a:r>
-            <a:r>
-              <a:rPr lang="ru-RU" sz="2400" dirty="0"/>
-              <a:t>Среднемесячной </a:t>
-            </a:r>
-            <a:r>
-              <a:rPr lang="ru-RU" sz="2400" dirty="0" err="1"/>
-              <a:t>зароботной</a:t>
-            </a:r>
-            <a:r>
-              <a:rPr lang="ru-RU" sz="2400" dirty="0"/>
-              <a:t> </a:t>
-            </a:r>
-            <a:r>
-              <a:rPr lang="ru-RU" sz="2400" dirty="0" smtClean="0"/>
-              <a:t>платой </a:t>
-            </a:r>
-            <a:r>
-              <a:rPr lang="ru-RU" sz="2400" dirty="0"/>
-              <a:t>и Валовому национальному </a:t>
-            </a:r>
-            <a:r>
-              <a:rPr lang="ru-RU" sz="2400" dirty="0" smtClean="0"/>
-              <a:t>продукту. Отобразить на картограмме.</a:t>
-            </a:r>
-            <a:endParaRPr lang="ru-RU" sz="2400" dirty="0" smtClean="0"/>
-          </a:p>
-          <a:p>
-            <a:endParaRPr lang="ru-RU" sz="2400" dirty="0"/>
-          </a:p>
-          <a:p>
-            <a:r>
-              <a:rPr lang="ru-RU" sz="2400" dirty="0" err="1" smtClean="0"/>
-              <a:t>П.с</a:t>
-            </a:r>
-            <a:r>
-              <a:rPr lang="ru-RU" sz="2400" dirty="0" smtClean="0"/>
-              <a:t>. Данные найти в интернете. </a:t>
-            </a:r>
-            <a:r>
-              <a:rPr lang="ru-RU" sz="2400" dirty="0" smtClean="0">
-                <a:sym typeface="Wingdings" panose="05000000000000000000" pitchFamily="2" charset="2"/>
-              </a:rPr>
-              <a:t></a:t>
-            </a:r>
-            <a:endParaRPr lang="ru-RU" sz="2400" dirty="0"/>
-          </a:p>
-        </p:txBody>
-      </p:sp>
-    </p:spTree>
-    <p:extLst>
-      <p:ext uri="{BB962C8B-B14F-4D97-AF65-F5344CB8AC3E}">
-        <p14:creationId xmlns:p14="http://schemas.microsoft.com/office/powerpoint/2010/main" val="3203559216"/>
       </p:ext>
     </p:extLst>
   </p:cSld>
